--- a/EFW高負荷対応のTomcat環境構築v0.4.pptx
+++ b/EFW高負荷対応のTomcat環境構築v0.4.pptx
@@ -21,6 +21,9 @@
   </p:sldIdLst>
   <p:sldSz cx="9144000" cy="6858000" type="screen4x3"/>
   <p:notesSz cx="6858000" cy="9144000"/>
+  <p:custDataLst>
+    <p:tags r:id="rId13"/>
+  </p:custDataLst>
   <p:defaultTextStyle>
     <a:defPPr>
       <a:defRPr lang="ja-JP"/>
@@ -217,7 +220,7 @@
           <a:p>
             <a:fld id="{29611FB4-7FF2-4F2D-8BCE-0793373968A4}" type="datetimeFigureOut">
               <a:rPr kumimoji="1" lang="ja-JP" altLang="en-US" smtClean="0"/>
-              <a:t>2022/11/25</a:t>
+              <a:t>2022/12/1</a:t>
             </a:fld>
             <a:endParaRPr kumimoji="1" lang="ja-JP" altLang="en-US"/>
           </a:p>
@@ -3237,7 +3240,7 @@
           <a:p>
             <a:fld id="{63D1CD20-8055-49A0-A0CC-4A418A1BD2F7}" type="datetimeFigureOut">
               <a:rPr kumimoji="1" lang="ja-JP" altLang="en-US" smtClean="0"/>
-              <a:t>2022/11/25</a:t>
+              <a:t>2022/12/1</a:t>
             </a:fld>
             <a:endParaRPr kumimoji="1" lang="ja-JP" altLang="en-US"/>
           </a:p>
@@ -3437,7 +3440,7 @@
           <a:p>
             <a:fld id="{63D1CD20-8055-49A0-A0CC-4A418A1BD2F7}" type="datetimeFigureOut">
               <a:rPr kumimoji="1" lang="ja-JP" altLang="en-US" smtClean="0"/>
-              <a:t>2022/11/25</a:t>
+              <a:t>2022/12/1</a:t>
             </a:fld>
             <a:endParaRPr kumimoji="1" lang="ja-JP" altLang="en-US"/>
           </a:p>
@@ -3647,7 +3650,7 @@
           <a:p>
             <a:fld id="{63D1CD20-8055-49A0-A0CC-4A418A1BD2F7}" type="datetimeFigureOut">
               <a:rPr kumimoji="1" lang="ja-JP" altLang="en-US" smtClean="0"/>
-              <a:t>2022/11/25</a:t>
+              <a:t>2022/12/1</a:t>
             </a:fld>
             <a:endParaRPr kumimoji="1" lang="ja-JP" altLang="en-US"/>
           </a:p>
@@ -4346,7 +4349,7 @@
           <a:p>
             <a:fld id="{63D1CD20-8055-49A0-A0CC-4A418A1BD2F7}" type="datetimeFigureOut">
               <a:rPr kumimoji="1" lang="ja-JP" altLang="en-US" smtClean="0"/>
-              <a:t>2022/11/25</a:t>
+              <a:t>2022/12/1</a:t>
             </a:fld>
             <a:endParaRPr kumimoji="1" lang="ja-JP" altLang="en-US"/>
           </a:p>
@@ -4591,7 +4594,7 @@
           <a:p>
             <a:fld id="{63D1CD20-8055-49A0-A0CC-4A418A1BD2F7}" type="datetimeFigureOut">
               <a:rPr kumimoji="1" lang="ja-JP" altLang="en-US" smtClean="0"/>
-              <a:t>2022/11/25</a:t>
+              <a:t>2022/12/1</a:t>
             </a:fld>
             <a:endParaRPr kumimoji="1" lang="ja-JP" altLang="en-US"/>
           </a:p>
@@ -4884,7 +4887,7 @@
           <a:p>
             <a:fld id="{63D1CD20-8055-49A0-A0CC-4A418A1BD2F7}" type="datetimeFigureOut">
               <a:rPr kumimoji="1" lang="ja-JP" altLang="en-US" smtClean="0"/>
-              <a:t>2022/11/25</a:t>
+              <a:t>2022/12/1</a:t>
             </a:fld>
             <a:endParaRPr kumimoji="1" lang="ja-JP" altLang="en-US"/>
           </a:p>
@@ -5312,7 +5315,7 @@
           <a:p>
             <a:fld id="{63D1CD20-8055-49A0-A0CC-4A418A1BD2F7}" type="datetimeFigureOut">
               <a:rPr kumimoji="1" lang="ja-JP" altLang="en-US" smtClean="0"/>
-              <a:t>2022/11/25</a:t>
+              <a:t>2022/12/1</a:t>
             </a:fld>
             <a:endParaRPr kumimoji="1" lang="ja-JP" altLang="en-US"/>
           </a:p>
@@ -5429,7 +5432,7 @@
           <a:p>
             <a:fld id="{63D1CD20-8055-49A0-A0CC-4A418A1BD2F7}" type="datetimeFigureOut">
               <a:rPr kumimoji="1" lang="ja-JP" altLang="en-US" smtClean="0"/>
-              <a:t>2022/11/25</a:t>
+              <a:t>2022/12/1</a:t>
             </a:fld>
             <a:endParaRPr kumimoji="1" lang="ja-JP" altLang="en-US"/>
           </a:p>
@@ -5524,7 +5527,7 @@
           <a:p>
             <a:fld id="{63D1CD20-8055-49A0-A0CC-4A418A1BD2F7}" type="datetimeFigureOut">
               <a:rPr kumimoji="1" lang="ja-JP" altLang="en-US" smtClean="0"/>
-              <a:t>2022/11/25</a:t>
+              <a:t>2022/12/1</a:t>
             </a:fld>
             <a:endParaRPr kumimoji="1" lang="ja-JP" altLang="en-US"/>
           </a:p>
@@ -5831,7 +5834,7 @@
           <a:p>
             <a:fld id="{63D1CD20-8055-49A0-A0CC-4A418A1BD2F7}" type="datetimeFigureOut">
               <a:rPr kumimoji="1" lang="ja-JP" altLang="en-US" smtClean="0"/>
-              <a:t>2022/11/25</a:t>
+              <a:t>2022/12/1</a:t>
             </a:fld>
             <a:endParaRPr kumimoji="1" lang="ja-JP" altLang="en-US"/>
           </a:p>
@@ -6083,7 +6086,7 @@
           <a:p>
             <a:fld id="{63D1CD20-8055-49A0-A0CC-4A418A1BD2F7}" type="datetimeFigureOut">
               <a:rPr kumimoji="1" lang="ja-JP" altLang="en-US" smtClean="0"/>
-              <a:t>2022/11/25</a:t>
+              <a:t>2022/12/1</a:t>
             </a:fld>
             <a:endParaRPr kumimoji="1" lang="ja-JP" altLang="en-US"/>
           </a:p>
@@ -6326,7 +6329,7 @@
           <a:p>
             <a:fld id="{63D1CD20-8055-49A0-A0CC-4A418A1BD2F7}" type="datetimeFigureOut">
               <a:rPr kumimoji="1" lang="ja-JP" altLang="en-US" smtClean="0"/>
-              <a:t>2022/11/25</a:t>
+              <a:t>2022/12/1</a:t>
             </a:fld>
             <a:endParaRPr kumimoji="1" lang="ja-JP" altLang="en-US"/>
           </a:p>
@@ -8312,6 +8315,9 @@
         </p:txBody>
       </p:sp>
     </p:spTree>
+    <p:custDataLst>
+      <p:tags r:id="rId1"/>
+    </p:custDataLst>
     <p:extLst>
       <p:ext uri="{BB962C8B-B14F-4D97-AF65-F5344CB8AC3E}">
         <p14:creationId xmlns:p14="http://schemas.microsoft.com/office/powerpoint/2010/main" val="1632673126"/>
@@ -9501,6 +9507,9 @@
         </p:txBody>
       </p:sp>
     </p:spTree>
+    <p:custDataLst>
+      <p:tags r:id="rId1"/>
+    </p:custDataLst>
     <p:extLst>
       <p:ext uri="{BB962C8B-B14F-4D97-AF65-F5344CB8AC3E}">
         <p14:creationId xmlns:p14="http://schemas.microsoft.com/office/powerpoint/2010/main" val="1065140060"/>
@@ -9608,7 +9617,7 @@
           <p:nvPr/>
         </p:nvPicPr>
         <p:blipFill>
-          <a:blip r:embed="rId3" cstate="print">
+          <a:blip r:embed="rId4" cstate="print">
             <a:extLst>
               <a:ext uri="{28A0092B-C50C-407E-A947-70E740481C1C}">
                 <a14:useLocalDpi xmlns:a14="http://schemas.microsoft.com/office/drawing/2010/main" val="0"/>
@@ -9976,7 +9985,7 @@
           <p:nvPr/>
         </p:nvPicPr>
         <p:blipFill>
-          <a:blip r:embed="rId4" cstate="print">
+          <a:blip r:embed="rId5" cstate="print">
             <a:extLst>
               <a:ext uri="{28A0092B-C50C-407E-A947-70E740481C1C}">
                 <a14:useLocalDpi xmlns:a14="http://schemas.microsoft.com/office/drawing/2010/main" val="0"/>
@@ -10357,7 +10366,7 @@
           <p:nvPr/>
         </p:nvPicPr>
         <p:blipFill>
-          <a:blip r:embed="rId5" cstate="print">
+          <a:blip r:embed="rId6" cstate="print">
             <a:extLst>
               <a:ext uri="{28A0092B-C50C-407E-A947-70E740481C1C}">
                 <a14:useLocalDpi xmlns:a14="http://schemas.microsoft.com/office/drawing/2010/main" val="0"/>
@@ -10398,7 +10407,7 @@
           <p:nvPr/>
         </p:nvPicPr>
         <p:blipFill>
-          <a:blip r:embed="rId5" cstate="print">
+          <a:blip r:embed="rId6" cstate="print">
             <a:extLst>
               <a:ext uri="{28A0092B-C50C-407E-A947-70E740481C1C}">
                 <a14:useLocalDpi xmlns:a14="http://schemas.microsoft.com/office/drawing/2010/main" val="0"/>
@@ -10439,7 +10448,7 @@
           <p:nvPr/>
         </p:nvPicPr>
         <p:blipFill>
-          <a:blip r:embed="rId5" cstate="print">
+          <a:blip r:embed="rId6" cstate="print">
             <a:extLst>
               <a:ext uri="{28A0092B-C50C-407E-A947-70E740481C1C}">
                 <a14:useLocalDpi xmlns:a14="http://schemas.microsoft.com/office/drawing/2010/main" val="0"/>
@@ -10480,7 +10489,7 @@
           <p:nvPr/>
         </p:nvPicPr>
         <p:blipFill>
-          <a:blip r:embed="rId6" cstate="print">
+          <a:blip r:embed="rId7" cstate="print">
             <a:extLst>
               <a:ext uri="{28A0092B-C50C-407E-A947-70E740481C1C}">
                 <a14:useLocalDpi xmlns:a14="http://schemas.microsoft.com/office/drawing/2010/main" val="0"/>
@@ -10735,7 +10744,7 @@
           <p:nvPr/>
         </p:nvPicPr>
         <p:blipFill>
-          <a:blip r:embed="rId7" cstate="print">
+          <a:blip r:embed="rId8" cstate="print">
             <a:extLst>
               <a:ext uri="{28A0092B-C50C-407E-A947-70E740481C1C}">
                 <a14:useLocalDpi xmlns:a14="http://schemas.microsoft.com/office/drawing/2010/main" val="0"/>
@@ -11721,6 +11730,9 @@
         </p:style>
       </p:cxnSp>
     </p:spTree>
+    <p:custDataLst>
+      <p:tags r:id="rId1"/>
+    </p:custDataLst>
     <p:extLst>
       <p:ext uri="{BB962C8B-B14F-4D97-AF65-F5344CB8AC3E}">
         <p14:creationId xmlns:p14="http://schemas.microsoft.com/office/powerpoint/2010/main" val="3002537065"/>
@@ -12883,6 +12895,9 @@
         </a:graphic>
       </p:graphicFrame>
     </p:spTree>
+    <p:custDataLst>
+      <p:tags r:id="rId1"/>
+    </p:custDataLst>
     <p:extLst>
       <p:ext uri="{BB962C8B-B14F-4D97-AF65-F5344CB8AC3E}">
         <p14:creationId xmlns:p14="http://schemas.microsoft.com/office/powerpoint/2010/main" val="867945330"/>
@@ -13386,7 +13401,7 @@
           <p:nvPr/>
         </p:nvPicPr>
         <p:blipFill>
-          <a:blip r:embed="rId3"/>
+          <a:blip r:embed="rId4"/>
           <a:stretch>
             <a:fillRect/>
           </a:stretch>
@@ -13416,7 +13431,7 @@
           <p:nvPr/>
         </p:nvPicPr>
         <p:blipFill>
-          <a:blip r:embed="rId4"/>
+          <a:blip r:embed="rId5"/>
           <a:stretch>
             <a:fillRect/>
           </a:stretch>
@@ -13432,6 +13447,9 @@
         </p:spPr>
       </p:pic>
     </p:spTree>
+    <p:custDataLst>
+      <p:tags r:id="rId1"/>
+    </p:custDataLst>
     <p:extLst>
       <p:ext uri="{BB962C8B-B14F-4D97-AF65-F5344CB8AC3E}">
         <p14:creationId xmlns:p14="http://schemas.microsoft.com/office/powerpoint/2010/main" val="3681613322"/>
@@ -14792,6 +14810,9 @@
         </p:txBody>
       </p:sp>
     </p:spTree>
+    <p:custDataLst>
+      <p:tags r:id="rId1"/>
+    </p:custDataLst>
     <p:extLst>
       <p:ext uri="{BB962C8B-B14F-4D97-AF65-F5344CB8AC3E}">
         <p14:creationId xmlns:p14="http://schemas.microsoft.com/office/powerpoint/2010/main" val="663856887"/>
@@ -15044,7 +15065,7 @@
           <p:nvPr/>
         </p:nvPicPr>
         <p:blipFill>
-          <a:blip r:embed="rId3"/>
+          <a:blip r:embed="rId4"/>
           <a:stretch>
             <a:fillRect/>
           </a:stretch>
@@ -15096,6 +15117,9 @@
         </p:txBody>
       </p:sp>
     </p:spTree>
+    <p:custDataLst>
+      <p:tags r:id="rId1"/>
+    </p:custDataLst>
     <p:extLst>
       <p:ext uri="{BB962C8B-B14F-4D97-AF65-F5344CB8AC3E}">
         <p14:creationId xmlns:p14="http://schemas.microsoft.com/office/powerpoint/2010/main" val="779504769"/>
@@ -15195,7 +15219,7 @@
           <p:nvPr/>
         </p:nvPicPr>
         <p:blipFill>
-          <a:blip r:embed="rId3">
+          <a:blip r:embed="rId4">
             <a:extLst>
               <a:ext uri="{28A0092B-C50C-407E-A947-70E740481C1C}">
                 <a14:useLocalDpi xmlns:a14="http://schemas.microsoft.com/office/drawing/2010/main" val="0"/>
@@ -15467,6 +15491,9 @@
         </p:txBody>
       </p:sp>
     </p:spTree>
+    <p:custDataLst>
+      <p:tags r:id="rId1"/>
+    </p:custDataLst>
     <p:extLst>
       <p:ext uri="{BB962C8B-B14F-4D97-AF65-F5344CB8AC3E}">
         <p14:creationId xmlns:p14="http://schemas.microsoft.com/office/powerpoint/2010/main" val="273386574"/>
@@ -15717,7 +15744,7 @@
           <p:nvPr/>
         </p:nvPicPr>
         <p:blipFill>
-          <a:blip r:embed="rId3"/>
+          <a:blip r:embed="rId4"/>
           <a:stretch>
             <a:fillRect/>
           </a:stretch>
@@ -15780,6 +15807,9 @@
         </p:txBody>
       </p:sp>
     </p:spTree>
+    <p:custDataLst>
+      <p:tags r:id="rId1"/>
+    </p:custDataLst>
     <p:extLst>
       <p:ext uri="{BB962C8B-B14F-4D97-AF65-F5344CB8AC3E}">
         <p14:creationId xmlns:p14="http://schemas.microsoft.com/office/powerpoint/2010/main" val="3543809377"/>
@@ -15790,6 +15820,77 @@
     <a:masterClrMapping/>
   </p:clrMapOvr>
 </p:sld>
+</file>
+
+<file path=ppt/tags/tag1.xml><?xml version="1.0" encoding="utf-8"?>
+<p:tagLst xmlns:a="http://schemas.openxmlformats.org/drawingml/2006/main" xmlns:r="http://schemas.openxmlformats.org/officeDocument/2006/relationships" xmlns:p="http://schemas.openxmlformats.org/presentationml/2006/main">
+  <p:tag name="ISPRING_LMS_API_VERSION" val="SCORM 2004 (4th edition)"/>
+  <p:tag name="ISPRING_ULTRA_SCORM_COURSE_ID" val="F577CA56-9E30-4454-A8B4-E9566823B02A"/>
+  <p:tag name="ISPRING_CMI5_LAUNCH_METHOD" val="any window"/>
+  <p:tag name="ISPRING_SCORM_ENDPOINT" val="&lt;endpoint&gt;&lt;enable&gt;0&lt;/enable&gt;&lt;lrs&gt;https://&lt;/lrs&gt;&lt;auth&gt;0&lt;/auth&gt;&lt;login&gt;&lt;/login&gt;&lt;password&gt;&lt;/password&gt;&lt;key&gt;&lt;/key&gt;&lt;name&gt;&lt;/name&gt;&lt;email&gt;&lt;/email&gt;&lt;/endpoint&gt;&#10;"/>
+  <p:tag name="ISPRINGCLOUDFOLDERID" val="1"/>
+  <p:tag name="ISPRINGONLINEFOLDERID" val="1"/>
+  <p:tag name="ISPRING_OUTPUT_FOLDER" val="[[&quot;f\uFFFD_\u0000{F3869DA2-F2D5-46CF-899A-5B1CA6DA96AF}&quot;,&quot;C:\\Users\\kejun.chang\\Documents\\GitHub\\efw4_online_ppt&quot;]]"/>
+  <p:tag name="ISPRING_PUBLISH_SETTINGS" val="{&quot;commonSettings&quot;:{&quot;webSettings&quot;:{&quot;useMobileViewer&quot;:&quot;T_FALSE&quot;},&quot;lmsSettings&quot;:{&quot;useMobileViewer&quot;:&quot;T_FALSE&quot;},&quot;cloudSettings&quot;:{&quot;useMobileViewer&quot;:&quot;T_FALSE&quot;},&quot;ispringLmsSettings&quot;:{&quot;useMobileViewer&quot;:&quot;T_FALSE&quot;},&quot;playerId&quot;:&quot;universal&quot;,&quot;studioSettings&quot;:{&quot;useMobileViewer&quot;:&quot;T_FALSE&quot;}},&quot;advancedSettings&quot;:{&quot;enableTextAllocation&quot;:&quot;T_TRUE&quot;,&quot;viewingFromLocalDrive&quot;:&quot;T_TRUE&quot;,&quot;contentScale&quot;:75,&quot;contentScaleMode&quot;:&quot;SCALE&quot;},&quot;accessibilitySettings&quot;:{&quot;enabled&quot;:&quot;T_FALSE&quot;},&quot;compressionSettings&quot;:{&quot;imageSettings&quot;:{&quot;jpegQuality&quot;:70,&quot;optimizeImageForResolution&quot;:&quot;T_FALSE&quot;},&quot;audioQuality&quot;:70,&quot;videoQuality&quot;:65},&quot;protectionSettings&quot;:{&quot;watermarkEnabled&quot;:&quot;T_FALSE&quot;,&quot;watermarkPosition&quot;:&quot;MIDDLE_CENTER&quot;,&quot;openWatermarkUrl&quot;:&quot;T_FALSE&quot;,&quot;openWatermarkWebPageInNewWindow&quot;:&quot;T_FALSE&quot;,&quot;displayAfterEnabled&quot;:&quot;T_FALSE&quot;,&quot;displayUntilEnabled&quot;:&quot;T_FALSE&quot;,&quot;domainRestrictionEnabled&quot;:&quot;T_FALSE&quot;,&quot;enablePassword&quot;:&quot;T_FALSE&quot;},&quot;videoSettings&quot;:{&quot;videoCompressionSettings&quot;:{&quot;audioQuality&quot;:70,&quot;videoQuality&quot;:75},&quot;secondsOnEachSlide&quot;:5,&quot;hostingSettings&quot;:{}},&quot;ispringOnlineSettings&quot;:{&quot;onlineDestinationFolderId&quot;:&quot;1&quot;},&quot;cloudSettings&quot;:{&quot;onlineDestinationFolderId&quot;:&quot;1&quot;},&quot;wordSettings&quot;:{&quot;printCopies&quot;:1},&quot;studioSettings&quot;:{&quot;onlineDestinationFolderId&quot;:&quot;1&quot;}}"/>
+  <p:tag name="ISPRING_SCORM_RATE_SLIDES" val="0"/>
+  <p:tag name="ISPRING_SCORM_RATE_QUIZZES" val="0"/>
+  <p:tag name="ISPRING_SCORM_PASSING_SCORE" val="0.000000"/>
+  <p:tag name="ISPRING_PRESENTATION_TITLE" val="EFW高負荷対応のTomcat環境構築v0.4"/>
+</p:tagLst>
+</file>
+
+<file path=ppt/tags/tag10.xml><?xml version="1.0" encoding="utf-8"?>
+<p:tagLst xmlns:a="http://schemas.openxmlformats.org/drawingml/2006/main" xmlns:r="http://schemas.openxmlformats.org/officeDocument/2006/relationships" xmlns:p="http://schemas.openxmlformats.org/presentationml/2006/main">
+  <p:tag name="GENSWF_SLIDE_UID" val="{3F513CAF-106D-4620-9212-E33F47027B4D}:263"/>
+</p:tagLst>
+</file>
+
+<file path=ppt/tags/tag2.xml><?xml version="1.0" encoding="utf-8"?>
+<p:tagLst xmlns:a="http://schemas.openxmlformats.org/drawingml/2006/main" xmlns:r="http://schemas.openxmlformats.org/officeDocument/2006/relationships" xmlns:p="http://schemas.openxmlformats.org/presentationml/2006/main">
+  <p:tag name="GENSWF_SLIDE_UID" val="{A12E11EE-63B4-433A-B9D6-91FCC05EC2A0}:256"/>
+</p:tagLst>
+</file>
+
+<file path=ppt/tags/tag3.xml><?xml version="1.0" encoding="utf-8"?>
+<p:tagLst xmlns:a="http://schemas.openxmlformats.org/drawingml/2006/main" xmlns:r="http://schemas.openxmlformats.org/officeDocument/2006/relationships" xmlns:p="http://schemas.openxmlformats.org/presentationml/2006/main">
+  <p:tag name="GENSWF_SLIDE_UID" val="{C4497F73-2B41-4939-A55C-970AFD7BA942}:265"/>
+</p:tagLst>
+</file>
+
+<file path=ppt/tags/tag4.xml><?xml version="1.0" encoding="utf-8"?>
+<p:tagLst xmlns:a="http://schemas.openxmlformats.org/drawingml/2006/main" xmlns:r="http://schemas.openxmlformats.org/officeDocument/2006/relationships" xmlns:p="http://schemas.openxmlformats.org/presentationml/2006/main">
+  <p:tag name="GENSWF_SLIDE_UID" val="{F10EB202-F1F0-4769-9D24-3BEDE28FD3DE}:257"/>
+</p:tagLst>
+</file>
+
+<file path=ppt/tags/tag5.xml><?xml version="1.0" encoding="utf-8"?>
+<p:tagLst xmlns:a="http://schemas.openxmlformats.org/drawingml/2006/main" xmlns:r="http://schemas.openxmlformats.org/officeDocument/2006/relationships" xmlns:p="http://schemas.openxmlformats.org/presentationml/2006/main">
+  <p:tag name="GENSWF_SLIDE_UID" val="{638C7AEE-D3B6-4C97-B3F5-28D85528DF58}:264"/>
+</p:tagLst>
+</file>
+
+<file path=ppt/tags/tag6.xml><?xml version="1.0" encoding="utf-8"?>
+<p:tagLst xmlns:a="http://schemas.openxmlformats.org/drawingml/2006/main" xmlns:r="http://schemas.openxmlformats.org/officeDocument/2006/relationships" xmlns:p="http://schemas.openxmlformats.org/presentationml/2006/main">
+  <p:tag name="GENSWF_SLIDE_UID" val="{A4DE475A-0CA9-4F12-ABFE-E2DF328D991C}:266"/>
+</p:tagLst>
+</file>
+
+<file path=ppt/tags/tag7.xml><?xml version="1.0" encoding="utf-8"?>
+<p:tagLst xmlns:a="http://schemas.openxmlformats.org/drawingml/2006/main" xmlns:r="http://schemas.openxmlformats.org/officeDocument/2006/relationships" xmlns:p="http://schemas.openxmlformats.org/presentationml/2006/main">
+  <p:tag name="GENSWF_SLIDE_UID" val="{355A9781-379D-4F68-9CE8-22FA0439889B}:259"/>
+</p:tagLst>
+</file>
+
+<file path=ppt/tags/tag8.xml><?xml version="1.0" encoding="utf-8"?>
+<p:tagLst xmlns:a="http://schemas.openxmlformats.org/drawingml/2006/main" xmlns:r="http://schemas.openxmlformats.org/officeDocument/2006/relationships" xmlns:p="http://schemas.openxmlformats.org/presentationml/2006/main">
+  <p:tag name="GENSWF_SLIDE_UID" val="{854D014E-5A8C-453D-B7DC-AAA48802D017}:260"/>
+</p:tagLst>
+</file>
+
+<file path=ppt/tags/tag9.xml><?xml version="1.0" encoding="utf-8"?>
+<p:tagLst xmlns:a="http://schemas.openxmlformats.org/drawingml/2006/main" xmlns:r="http://schemas.openxmlformats.org/officeDocument/2006/relationships" xmlns:p="http://schemas.openxmlformats.org/presentationml/2006/main">
+  <p:tag name="GENSWF_SLIDE_UID" val="{752B9DC7-661B-457F-B00A-A62B876ECFE5}:262"/>
+</p:tagLst>
 </file>
 
 <file path=ppt/theme/theme1.xml><?xml version="1.0" encoding="utf-8"?>

--- a/EFW高負荷対応のTomcat環境構築v0.4.pptx
+++ b/EFW高負荷対応のTomcat環境構築v0.4.pptx
@@ -220,7 +220,7 @@
           <a:p>
             <a:fld id="{29611FB4-7FF2-4F2D-8BCE-0793373968A4}" type="datetimeFigureOut">
               <a:rPr kumimoji="1" lang="ja-JP" altLang="en-US" smtClean="0"/>
-              <a:t>2022/12/1</a:t>
+              <a:t>2023/10/25</a:t>
             </a:fld>
             <a:endParaRPr kumimoji="1" lang="ja-JP" altLang="en-US"/>
           </a:p>
@@ -3240,7 +3240,7 @@
           <a:p>
             <a:fld id="{63D1CD20-8055-49A0-A0CC-4A418A1BD2F7}" type="datetimeFigureOut">
               <a:rPr kumimoji="1" lang="ja-JP" altLang="en-US" smtClean="0"/>
-              <a:t>2022/12/1</a:t>
+              <a:t>2023/10/25</a:t>
             </a:fld>
             <a:endParaRPr kumimoji="1" lang="ja-JP" altLang="en-US"/>
           </a:p>
@@ -3440,7 +3440,7 @@
           <a:p>
             <a:fld id="{63D1CD20-8055-49A0-A0CC-4A418A1BD2F7}" type="datetimeFigureOut">
               <a:rPr kumimoji="1" lang="ja-JP" altLang="en-US" smtClean="0"/>
-              <a:t>2022/12/1</a:t>
+              <a:t>2023/10/25</a:t>
             </a:fld>
             <a:endParaRPr kumimoji="1" lang="ja-JP" altLang="en-US"/>
           </a:p>
@@ -3650,7 +3650,7 @@
           <a:p>
             <a:fld id="{63D1CD20-8055-49A0-A0CC-4A418A1BD2F7}" type="datetimeFigureOut">
               <a:rPr kumimoji="1" lang="ja-JP" altLang="en-US" smtClean="0"/>
-              <a:t>2022/12/1</a:t>
+              <a:t>2023/10/25</a:t>
             </a:fld>
             <a:endParaRPr kumimoji="1" lang="ja-JP" altLang="en-US"/>
           </a:p>
@@ -4349,7 +4349,7 @@
           <a:p>
             <a:fld id="{63D1CD20-8055-49A0-A0CC-4A418A1BD2F7}" type="datetimeFigureOut">
               <a:rPr kumimoji="1" lang="ja-JP" altLang="en-US" smtClean="0"/>
-              <a:t>2022/12/1</a:t>
+              <a:t>2023/10/25</a:t>
             </a:fld>
             <a:endParaRPr kumimoji="1" lang="ja-JP" altLang="en-US"/>
           </a:p>
@@ -4594,7 +4594,7 @@
           <a:p>
             <a:fld id="{63D1CD20-8055-49A0-A0CC-4A418A1BD2F7}" type="datetimeFigureOut">
               <a:rPr kumimoji="1" lang="ja-JP" altLang="en-US" smtClean="0"/>
-              <a:t>2022/12/1</a:t>
+              <a:t>2023/10/25</a:t>
             </a:fld>
             <a:endParaRPr kumimoji="1" lang="ja-JP" altLang="en-US"/>
           </a:p>
@@ -4887,7 +4887,7 @@
           <a:p>
             <a:fld id="{63D1CD20-8055-49A0-A0CC-4A418A1BD2F7}" type="datetimeFigureOut">
               <a:rPr kumimoji="1" lang="ja-JP" altLang="en-US" smtClean="0"/>
-              <a:t>2022/12/1</a:t>
+              <a:t>2023/10/25</a:t>
             </a:fld>
             <a:endParaRPr kumimoji="1" lang="ja-JP" altLang="en-US"/>
           </a:p>
@@ -5315,7 +5315,7 @@
           <a:p>
             <a:fld id="{63D1CD20-8055-49A0-A0CC-4A418A1BD2F7}" type="datetimeFigureOut">
               <a:rPr kumimoji="1" lang="ja-JP" altLang="en-US" smtClean="0"/>
-              <a:t>2022/12/1</a:t>
+              <a:t>2023/10/25</a:t>
             </a:fld>
             <a:endParaRPr kumimoji="1" lang="ja-JP" altLang="en-US"/>
           </a:p>
@@ -5432,7 +5432,7 @@
           <a:p>
             <a:fld id="{63D1CD20-8055-49A0-A0CC-4A418A1BD2F7}" type="datetimeFigureOut">
               <a:rPr kumimoji="1" lang="ja-JP" altLang="en-US" smtClean="0"/>
-              <a:t>2022/12/1</a:t>
+              <a:t>2023/10/25</a:t>
             </a:fld>
             <a:endParaRPr kumimoji="1" lang="ja-JP" altLang="en-US"/>
           </a:p>
@@ -5527,7 +5527,7 @@
           <a:p>
             <a:fld id="{63D1CD20-8055-49A0-A0CC-4A418A1BD2F7}" type="datetimeFigureOut">
               <a:rPr kumimoji="1" lang="ja-JP" altLang="en-US" smtClean="0"/>
-              <a:t>2022/12/1</a:t>
+              <a:t>2023/10/25</a:t>
             </a:fld>
             <a:endParaRPr kumimoji="1" lang="ja-JP" altLang="en-US"/>
           </a:p>
@@ -5834,7 +5834,7 @@
           <a:p>
             <a:fld id="{63D1CD20-8055-49A0-A0CC-4A418A1BD2F7}" type="datetimeFigureOut">
               <a:rPr kumimoji="1" lang="ja-JP" altLang="en-US" smtClean="0"/>
-              <a:t>2022/12/1</a:t>
+              <a:t>2023/10/25</a:t>
             </a:fld>
             <a:endParaRPr kumimoji="1" lang="ja-JP" altLang="en-US"/>
           </a:p>
@@ -6086,7 +6086,7 @@
           <a:p>
             <a:fld id="{63D1CD20-8055-49A0-A0CC-4A418A1BD2F7}" type="datetimeFigureOut">
               <a:rPr kumimoji="1" lang="ja-JP" altLang="en-US" smtClean="0"/>
-              <a:t>2022/12/1</a:t>
+              <a:t>2023/10/25</a:t>
             </a:fld>
             <a:endParaRPr kumimoji="1" lang="ja-JP" altLang="en-US"/>
           </a:p>
@@ -6329,7 +6329,7 @@
           <a:p>
             <a:fld id="{63D1CD20-8055-49A0-A0CC-4A418A1BD2F7}" type="datetimeFigureOut">
               <a:rPr kumimoji="1" lang="ja-JP" altLang="en-US" smtClean="0"/>
-              <a:t>2022/12/1</a:t>
+              <a:t>2023/10/25</a:t>
             </a:fld>
             <a:endParaRPr kumimoji="1" lang="ja-JP" altLang="en-US"/>
           </a:p>
@@ -8826,7 +8826,7 @@
           <p:nvPr>
             <p:extLst>
               <p:ext uri="{D42A27DB-BD31-4B8C-83A1-F6EECF244321}">
-                <p14:modId xmlns:p14="http://schemas.microsoft.com/office/powerpoint/2010/main" val="1539498587"/>
+                <p14:modId xmlns:p14="http://schemas.microsoft.com/office/powerpoint/2010/main" val="312646832"/>
               </p:ext>
             </p:extLst>
           </p:nvPr>
@@ -8890,7 +8890,7 @@
                   </a:ext>
                 </a:extLst>
               </a:tr>
-              <a:tr h="370840">
+              <a:tr h="522381">
                 <a:tc>
                   <a:txBody>
                     <a:bodyPr/>
@@ -8923,7 +8923,7 @@
                   </a:ext>
                 </a:extLst>
               </a:tr>
-              <a:tr h="370840">
+              <a:tr h="480685">
                 <a:tc>
                   <a:txBody>
                     <a:bodyPr/>
@@ -9307,11 +9307,7 @@
                       </a:pPr>
                       <a:r>
                         <a:rPr kumimoji="1" lang="ja-JP" altLang="en-US" dirty="0"/>
-                        <a:t>エラーなし操作できる</a:t>
-                      </a:r>
-                      <a:r>
-                        <a:rPr kumimoji="1" lang="ja-JP" altLang="en-US"/>
-                        <a:t>人の可能数</a:t>
+                        <a:t>エラーなし操作できる人の可能数</a:t>
                       </a:r>
                       <a:endParaRPr kumimoji="1" lang="en-US" altLang="ja-JP" dirty="0"/>
                     </a:p>
@@ -9843,7 +9839,7 @@
           <a:p>
             <a:pPr algn="ctr"/>
             <a:r>
-              <a:rPr lang="ja-JP" altLang="en-US" sz="900" dirty="0">
+              <a:rPr lang="en-US" altLang="ja-JP" sz="900" dirty="0">
                 <a:solidFill>
                   <a:schemeClr val="tx1"/>
                 </a:solidFill>
@@ -9851,8 +9847,16 @@
                 <a:ea typeface="Meiryo UI" panose="020B0604030504040204" pitchFamily="50" charset="-128"/>
                 <a:cs typeface="Meiryo UI" panose="020B0604030504040204" pitchFamily="50" charset="-128"/>
               </a:rPr>
-              <a:t>キュー</a:t>
-            </a:r>
+              <a:t>Que</a:t>
+            </a:r>
+            <a:endParaRPr lang="ja-JP" altLang="en-US" sz="900" dirty="0">
+              <a:solidFill>
+                <a:schemeClr val="tx1"/>
+              </a:solidFill>
+              <a:latin typeface="Meiryo UI" panose="020B0604030504040204" pitchFamily="50" charset="-128"/>
+              <a:ea typeface="Meiryo UI" panose="020B0604030504040204" pitchFamily="50" charset="-128"/>
+              <a:cs typeface="Meiryo UI" panose="020B0604030504040204" pitchFamily="50" charset="-128"/>
+            </a:endParaRPr>
           </a:p>
         </p:txBody>
       </p:sp>
@@ -9879,13 +9883,18 @@
           <a:lstStyle/>
           <a:p>
             <a:r>
-              <a:rPr lang="ja-JP" altLang="en-US" sz="1600" dirty="0">
+              <a:rPr lang="en-US" altLang="ja-JP" sz="1600" dirty="0">
                 <a:latin typeface="Meiryo UI" panose="020B0604030504040204" pitchFamily="50" charset="-128"/>
                 <a:ea typeface="Meiryo UI" panose="020B0604030504040204" pitchFamily="50" charset="-128"/>
                 <a:cs typeface="Meiryo UI" panose="020B0604030504040204" pitchFamily="50" charset="-128"/>
               </a:rPr>
-              <a:t>ファイアウォール</a:t>
-            </a:r>
+              <a:t>Firewall</a:t>
+            </a:r>
+            <a:endParaRPr lang="ja-JP" altLang="en-US" sz="1600" dirty="0">
+              <a:latin typeface="Meiryo UI" panose="020B0604030504040204" pitchFamily="50" charset="-128"/>
+              <a:ea typeface="Meiryo UI" panose="020B0604030504040204" pitchFamily="50" charset="-128"/>
+              <a:cs typeface="Meiryo UI" panose="020B0604030504040204" pitchFamily="50" charset="-128"/>
+            </a:endParaRPr>
           </a:p>
         </p:txBody>
       </p:sp>
@@ -10117,7 +10126,18 @@
                 <a:ea typeface="Meiryo UI" panose="020B0604030504040204" pitchFamily="50" charset="-128"/>
                 <a:cs typeface="Meiryo UI" panose="020B0604030504040204" pitchFamily="50" charset="-128"/>
               </a:rPr>
-              <a:t> フレームワーク</a:t>
+              <a:t> </a:t>
+            </a:r>
+            <a:r>
+              <a:rPr lang="en-US" altLang="ja-JP" sz="1400" dirty="0">
+                <a:solidFill>
+                  <a:schemeClr val="tx1"/>
+                </a:solidFill>
+                <a:latin typeface="Meiryo UI" panose="020B0604030504040204" pitchFamily="50" charset="-128"/>
+                <a:ea typeface="Meiryo UI" panose="020B0604030504040204" pitchFamily="50" charset="-128"/>
+                <a:cs typeface="Meiryo UI" panose="020B0604030504040204" pitchFamily="50" charset="-128"/>
+              </a:rPr>
+              <a:t>Framework</a:t>
             </a:r>
             <a:endParaRPr kumimoji="1" lang="en-US" altLang="ja-JP" sz="1400" dirty="0">
               <a:solidFill>
@@ -10215,7 +10235,7 @@
           <a:p>
             <a:pPr algn="ctr"/>
             <a:r>
-              <a:rPr lang="ja-JP" altLang="en-US" sz="800" dirty="0">
+              <a:rPr lang="en-US" altLang="ja-JP" sz="800" dirty="0">
                 <a:solidFill>
                   <a:schemeClr val="tx1"/>
                 </a:solidFill>
@@ -10223,52 +10243,16 @@
                 <a:ea typeface="Meiryo UI" panose="020B0604030504040204" pitchFamily="50" charset="-128"/>
                 <a:cs typeface="Meiryo UI" panose="020B0604030504040204" pitchFamily="50" charset="-128"/>
               </a:rPr>
-              <a:t>最大</a:t>
-            </a:r>
-            <a:r>
-              <a:rPr lang="en-US" altLang="ja-JP" sz="800" dirty="0">
-                <a:solidFill>
-                  <a:schemeClr val="tx1"/>
-                </a:solidFill>
-                <a:latin typeface="Meiryo UI" panose="020B0604030504040204" pitchFamily="50" charset="-128"/>
-                <a:ea typeface="Meiryo UI" panose="020B0604030504040204" pitchFamily="50" charset="-128"/>
-                <a:cs typeface="Meiryo UI" panose="020B0604030504040204" pitchFamily="50" charset="-128"/>
-              </a:rPr>
-              <a:t>DB</a:t>
-            </a:r>
-            <a:r>
-              <a:rPr lang="ja-JP" altLang="en-US" sz="800" dirty="0">
-                <a:solidFill>
-                  <a:schemeClr val="tx1"/>
-                </a:solidFill>
-                <a:latin typeface="Meiryo UI" panose="020B0604030504040204" pitchFamily="50" charset="-128"/>
-                <a:ea typeface="Meiryo UI" panose="020B0604030504040204" pitchFamily="50" charset="-128"/>
-                <a:cs typeface="Meiryo UI" panose="020B0604030504040204" pitchFamily="50" charset="-128"/>
-              </a:rPr>
-              <a:t>接続数を</a:t>
-            </a:r>
-            <a:r>
-              <a:rPr lang="en-US" altLang="ja-JP" sz="800" dirty="0">
-                <a:solidFill>
-                  <a:schemeClr val="tx1"/>
-                </a:solidFill>
-                <a:latin typeface="Meiryo UI" panose="020B0604030504040204" pitchFamily="50" charset="-128"/>
-                <a:ea typeface="Meiryo UI" panose="020B0604030504040204" pitchFamily="50" charset="-128"/>
-                <a:cs typeface="Meiryo UI" panose="020B0604030504040204" pitchFamily="50" charset="-128"/>
-              </a:rPr>
-              <a:t>400</a:t>
-            </a:r>
-            <a:r>
-              <a:rPr lang="ja-JP" altLang="en-US" sz="800" dirty="0">
-                <a:solidFill>
-                  <a:schemeClr val="tx1"/>
-                </a:solidFill>
-                <a:latin typeface="Meiryo UI" panose="020B0604030504040204" pitchFamily="50" charset="-128"/>
-                <a:ea typeface="Meiryo UI" panose="020B0604030504040204" pitchFamily="50" charset="-128"/>
-                <a:cs typeface="Meiryo UI" panose="020B0604030504040204" pitchFamily="50" charset="-128"/>
-              </a:rPr>
-              <a:t>に設定する</a:t>
-            </a:r>
+              <a:t>DB Connections</a:t>
+            </a:r>
+            <a:endParaRPr lang="ja-JP" altLang="en-US" sz="800" dirty="0">
+              <a:solidFill>
+                <a:schemeClr val="tx1"/>
+              </a:solidFill>
+              <a:latin typeface="Meiryo UI" panose="020B0604030504040204" pitchFamily="50" charset="-128"/>
+              <a:ea typeface="Meiryo UI" panose="020B0604030504040204" pitchFamily="50" charset="-128"/>
+              <a:cs typeface="Meiryo UI" panose="020B0604030504040204" pitchFamily="50" charset="-128"/>
+            </a:endParaRPr>
           </a:p>
         </p:txBody>
       </p:sp>
@@ -10311,7 +10295,7 @@
           <a:p>
             <a:pPr algn="ctr"/>
             <a:r>
-              <a:rPr lang="en-US" altLang="ja-JP" sz="800">
+              <a:rPr lang="en-US" altLang="ja-JP" sz="800" dirty="0">
                 <a:solidFill>
                   <a:schemeClr val="tx1"/>
                 </a:solidFill>
@@ -10330,9 +10314,64 @@
                 <a:ea typeface="Meiryo UI" panose="020B0604030504040204" pitchFamily="50" charset="-128"/>
                 <a:cs typeface="Meiryo UI" panose="020B0604030504040204" pitchFamily="50" charset="-128"/>
               </a:rPr>
-              <a:t>接続を同時受け取り、</a:t>
-            </a:r>
-            <a:endParaRPr lang="en-US" altLang="ja-JP" sz="800" dirty="0">
+              <a:t> </a:t>
+            </a:r>
+            <a:r>
+              <a:rPr lang="en-US" altLang="ja-JP" sz="800" dirty="0">
+                <a:solidFill>
+                  <a:schemeClr val="tx1"/>
+                </a:solidFill>
+                <a:latin typeface="Meiryo UI" panose="020B0604030504040204" pitchFamily="50" charset="-128"/>
+                <a:ea typeface="Meiryo UI" panose="020B0604030504040204" pitchFamily="50" charset="-128"/>
+                <a:cs typeface="Meiryo UI" panose="020B0604030504040204" pitchFamily="50" charset="-128"/>
+              </a:rPr>
+              <a:t>connections</a:t>
+            </a:r>
+            <a:r>
+              <a:rPr lang="ja-JP" altLang="en-US" sz="800" dirty="0">
+                <a:solidFill>
+                  <a:schemeClr val="tx1"/>
+                </a:solidFill>
+                <a:latin typeface="Meiryo UI" panose="020B0604030504040204" pitchFamily="50" charset="-128"/>
+                <a:ea typeface="Meiryo UI" panose="020B0604030504040204" pitchFamily="50" charset="-128"/>
+                <a:cs typeface="Meiryo UI" panose="020B0604030504040204" pitchFamily="50" charset="-128"/>
+              </a:rPr>
+              <a:t> </a:t>
+            </a:r>
+            <a:r>
+              <a:rPr lang="en-US" altLang="ja-JP" sz="800" dirty="0">
+                <a:solidFill>
+                  <a:schemeClr val="tx1"/>
+                </a:solidFill>
+                <a:latin typeface="Meiryo UI" panose="020B0604030504040204" pitchFamily="50" charset="-128"/>
+                <a:ea typeface="Meiryo UI" panose="020B0604030504040204" pitchFamily="50" charset="-128"/>
+                <a:cs typeface="Meiryo UI" panose="020B0604030504040204" pitchFamily="50" charset="-128"/>
+              </a:rPr>
+              <a:t>are</a:t>
+            </a:r>
+            <a:r>
+              <a:rPr lang="ja-JP" altLang="en-US" sz="800" dirty="0">
+                <a:solidFill>
+                  <a:schemeClr val="tx1"/>
+                </a:solidFill>
+                <a:latin typeface="Meiryo UI" panose="020B0604030504040204" pitchFamily="50" charset="-128"/>
+                <a:ea typeface="Meiryo UI" panose="020B0604030504040204" pitchFamily="50" charset="-128"/>
+                <a:cs typeface="Meiryo UI" panose="020B0604030504040204" pitchFamily="50" charset="-128"/>
+              </a:rPr>
+              <a:t> </a:t>
+            </a:r>
+            <a:r>
+              <a:rPr lang="en-US" altLang="ja-JP" sz="800" dirty="0">
+                <a:solidFill>
+                  <a:schemeClr val="tx1"/>
+                </a:solidFill>
+                <a:latin typeface="Meiryo UI" panose="020B0604030504040204" pitchFamily="50" charset="-128"/>
+                <a:ea typeface="Meiryo UI" panose="020B0604030504040204" pitchFamily="50" charset="-128"/>
+                <a:cs typeface="Meiryo UI" panose="020B0604030504040204" pitchFamily="50" charset="-128"/>
+              </a:rPr>
+              <a:t>received at the same time</a:t>
+            </a:r>
+            <a:endParaRPr lang="ja-JP" altLang="en-US" sz="800" dirty="0">
               <a:solidFill>
                 <a:schemeClr val="tx1"/>
               </a:solidFill>
@@ -10340,20 +10379,6 @@
               <a:ea typeface="Meiryo UI" panose="020B0604030504040204" pitchFamily="50" charset="-128"/>
               <a:cs typeface="Meiryo UI" panose="020B0604030504040204" pitchFamily="50" charset="-128"/>
             </a:endParaRPr>
-          </a:p>
-          <a:p>
-            <a:pPr algn="ctr"/>
-            <a:r>
-              <a:rPr lang="ja-JP" altLang="en-US" sz="800" dirty="0">
-                <a:solidFill>
-                  <a:schemeClr val="tx1"/>
-                </a:solidFill>
-                <a:latin typeface="Meiryo UI" panose="020B0604030504040204" pitchFamily="50" charset="-128"/>
-                <a:ea typeface="Meiryo UI" panose="020B0604030504040204" pitchFamily="50" charset="-128"/>
-                <a:cs typeface="Meiryo UI" panose="020B0604030504040204" pitchFamily="50" charset="-128"/>
-              </a:rPr>
-              <a:t>処理まちにする</a:t>
-            </a:r>
           </a:p>
         </p:txBody>
       </p:sp>
@@ -10651,8 +10676,21 @@
                 <a:ea typeface="Meiryo UI" panose="020B0604030504040204" pitchFamily="50" charset="-128"/>
                 <a:cs typeface="Meiryo UI" panose="020B0604030504040204" pitchFamily="50" charset="-128"/>
               </a:rPr>
-              <a:t>サーバ</a:t>
-            </a:r>
+              <a:t> </a:t>
+            </a:r>
+            <a:r>
+              <a:rPr lang="en-US" altLang="ja-JP" sz="1600" dirty="0">
+                <a:latin typeface="Meiryo UI" panose="020B0604030504040204" pitchFamily="50" charset="-128"/>
+                <a:ea typeface="Meiryo UI" panose="020B0604030504040204" pitchFamily="50" charset="-128"/>
+                <a:cs typeface="Meiryo UI" panose="020B0604030504040204" pitchFamily="50" charset="-128"/>
+              </a:rPr>
+              <a:t>Server</a:t>
+            </a:r>
+            <a:endParaRPr lang="ja-JP" altLang="en-US" sz="1600" dirty="0">
+              <a:latin typeface="Meiryo UI" panose="020B0604030504040204" pitchFamily="50" charset="-128"/>
+              <a:ea typeface="Meiryo UI" panose="020B0604030504040204" pitchFamily="50" charset="-128"/>
+              <a:cs typeface="Meiryo UI" panose="020B0604030504040204" pitchFamily="50" charset="-128"/>
+            </a:endParaRPr>
           </a:p>
         </p:txBody>
       </p:sp>
@@ -10692,8 +10730,21 @@
                 <a:ea typeface="Meiryo UI" panose="020B0604030504040204" pitchFamily="50" charset="-128"/>
                 <a:cs typeface="Meiryo UI" panose="020B0604030504040204" pitchFamily="50" charset="-128"/>
               </a:rPr>
-              <a:t>サーバ</a:t>
-            </a:r>
+              <a:t> </a:t>
+            </a:r>
+            <a:r>
+              <a:rPr lang="en-US" altLang="ja-JP" sz="1600" dirty="0">
+                <a:latin typeface="Meiryo UI" panose="020B0604030504040204" pitchFamily="50" charset="-128"/>
+                <a:ea typeface="Meiryo UI" panose="020B0604030504040204" pitchFamily="50" charset="-128"/>
+                <a:cs typeface="Meiryo UI" panose="020B0604030504040204" pitchFamily="50" charset="-128"/>
+              </a:rPr>
+              <a:t>Server</a:t>
+            </a:r>
+            <a:endParaRPr lang="ja-JP" altLang="en-US" sz="1600" dirty="0">
+              <a:latin typeface="Meiryo UI" panose="020B0604030504040204" pitchFamily="50" charset="-128"/>
+              <a:ea typeface="Meiryo UI" panose="020B0604030504040204" pitchFamily="50" charset="-128"/>
+              <a:cs typeface="Meiryo UI" panose="020B0604030504040204" pitchFamily="50" charset="-128"/>
+            </a:endParaRPr>
           </a:p>
         </p:txBody>
       </p:sp>
@@ -10812,7 +10863,7 @@
           <a:p>
             <a:pPr algn="ctr"/>
             <a:r>
-              <a:rPr lang="ja-JP" altLang="en-US" sz="900" dirty="0">
+              <a:rPr lang="en-US" altLang="ja-JP" sz="900" dirty="0">
                 <a:solidFill>
                   <a:schemeClr val="tx1"/>
                 </a:solidFill>
@@ -10820,38 +10871,8 @@
                 <a:ea typeface="Meiryo UI" panose="020B0604030504040204" pitchFamily="50" charset="-128"/>
                 <a:cs typeface="Meiryo UI" panose="020B0604030504040204" pitchFamily="50" charset="-128"/>
               </a:rPr>
-              <a:t>イベント</a:t>
-            </a:r>
-            <a:r>
-              <a:rPr lang="en-US" altLang="ja-JP" sz="900" dirty="0">
-                <a:solidFill>
-                  <a:schemeClr val="tx1"/>
-                </a:solidFill>
-                <a:latin typeface="Meiryo UI" panose="020B0604030504040204" pitchFamily="50" charset="-128"/>
-                <a:ea typeface="Meiryo UI" panose="020B0604030504040204" pitchFamily="50" charset="-128"/>
-                <a:cs typeface="Meiryo UI" panose="020B0604030504040204" pitchFamily="50" charset="-128"/>
-              </a:rPr>
-              <a:t>1</a:t>
-            </a:r>
-            <a:r>
-              <a:rPr lang="ja-JP" altLang="en-US" sz="900" dirty="0">
-                <a:solidFill>
-                  <a:schemeClr val="tx1"/>
-                </a:solidFill>
-                <a:latin typeface="Meiryo UI" panose="020B0604030504040204" pitchFamily="50" charset="-128"/>
-                <a:ea typeface="Meiryo UI" panose="020B0604030504040204" pitchFamily="50" charset="-128"/>
-                <a:cs typeface="Meiryo UI" panose="020B0604030504040204" pitchFamily="50" charset="-128"/>
-              </a:rPr>
-              <a:t>キュー</a:t>
-            </a:r>
-            <a:endParaRPr lang="en-US" altLang="ja-JP" sz="900" dirty="0">
-              <a:solidFill>
-                <a:schemeClr val="tx1"/>
-              </a:solidFill>
-              <a:latin typeface="Meiryo UI" panose="020B0604030504040204" pitchFamily="50" charset="-128"/>
-              <a:ea typeface="Meiryo UI" panose="020B0604030504040204" pitchFamily="50" charset="-128"/>
-              <a:cs typeface="Meiryo UI" panose="020B0604030504040204" pitchFamily="50" charset="-128"/>
-            </a:endParaRPr>
+              <a:t>Event1 Que</a:t>
+            </a:r>
           </a:p>
         </p:txBody>
       </p:sp>
@@ -10891,7 +10912,7 @@
           <a:p>
             <a:pPr algn="ctr"/>
             <a:r>
-              <a:rPr lang="ja-JP" altLang="en-US" sz="900" dirty="0">
+              <a:rPr lang="en-US" altLang="ja-JP" sz="900" dirty="0">
                 <a:solidFill>
                   <a:schemeClr val="tx1"/>
                 </a:solidFill>
@@ -10899,8 +10920,11 @@
                 <a:ea typeface="Meiryo UI" panose="020B0604030504040204" pitchFamily="50" charset="-128"/>
                 <a:cs typeface="Meiryo UI" panose="020B0604030504040204" pitchFamily="50" charset="-128"/>
               </a:rPr>
-              <a:t>イベント</a:t>
-            </a:r>
+              <a:t>Event2</a:t>
+            </a:r>
+          </a:p>
+          <a:p>
+            <a:pPr algn="ctr"/>
             <a:r>
               <a:rPr lang="en-US" altLang="ja-JP" sz="900" dirty="0">
                 <a:solidFill>
@@ -10910,27 +10934,8 @@
                 <a:ea typeface="Meiryo UI" panose="020B0604030504040204" pitchFamily="50" charset="-128"/>
                 <a:cs typeface="Meiryo UI" panose="020B0604030504040204" pitchFamily="50" charset="-128"/>
               </a:rPr>
-              <a:t>2</a:t>
-            </a:r>
-            <a:r>
-              <a:rPr lang="ja-JP" altLang="en-US" sz="900" dirty="0">
-                <a:solidFill>
-                  <a:schemeClr val="tx1"/>
-                </a:solidFill>
-                <a:latin typeface="Meiryo UI" panose="020B0604030504040204" pitchFamily="50" charset="-128"/>
-                <a:ea typeface="Meiryo UI" panose="020B0604030504040204" pitchFamily="50" charset="-128"/>
-                <a:cs typeface="Meiryo UI" panose="020B0604030504040204" pitchFamily="50" charset="-128"/>
-              </a:rPr>
-              <a:t>キュー</a:t>
-            </a:r>
-            <a:endParaRPr lang="en-US" altLang="ja-JP" sz="900" dirty="0">
-              <a:solidFill>
-                <a:schemeClr val="tx1"/>
-              </a:solidFill>
-              <a:latin typeface="Meiryo UI" panose="020B0604030504040204" pitchFamily="50" charset="-128"/>
-              <a:ea typeface="Meiryo UI" panose="020B0604030504040204" pitchFamily="50" charset="-128"/>
-              <a:cs typeface="Meiryo UI" panose="020B0604030504040204" pitchFamily="50" charset="-128"/>
-            </a:endParaRPr>
+              <a:t>Que</a:t>
+            </a:r>
           </a:p>
         </p:txBody>
       </p:sp>
@@ -10970,7 +10975,7 @@
           <a:p>
             <a:pPr algn="ctr"/>
             <a:r>
-              <a:rPr lang="ja-JP" altLang="en-US" sz="900" dirty="0">
+              <a:rPr lang="en-US" altLang="ja-JP" sz="900" dirty="0">
                 <a:solidFill>
                   <a:schemeClr val="tx1"/>
                 </a:solidFill>
@@ -10978,8 +10983,11 @@
                 <a:ea typeface="Meiryo UI" panose="020B0604030504040204" pitchFamily="50" charset="-128"/>
                 <a:cs typeface="Meiryo UI" panose="020B0604030504040204" pitchFamily="50" charset="-128"/>
               </a:rPr>
-              <a:t>イベント</a:t>
-            </a:r>
+              <a:t>Event1</a:t>
+            </a:r>
+          </a:p>
+          <a:p>
+            <a:pPr algn="ctr"/>
             <a:r>
               <a:rPr lang="en-US" altLang="ja-JP" sz="900" dirty="0">
                 <a:solidFill>
@@ -10989,30 +10997,8 @@
                 <a:ea typeface="Meiryo UI" panose="020B0604030504040204" pitchFamily="50" charset="-128"/>
                 <a:cs typeface="Meiryo UI" panose="020B0604030504040204" pitchFamily="50" charset="-128"/>
               </a:rPr>
-              <a:t>1</a:t>
-            </a:r>
-          </a:p>
-          <a:p>
-            <a:pPr algn="ctr"/>
-            <a:r>
-              <a:rPr lang="ja-JP" altLang="en-US" sz="900" dirty="0">
-                <a:solidFill>
-                  <a:schemeClr val="tx1"/>
-                </a:solidFill>
-                <a:latin typeface="Meiryo UI" panose="020B0604030504040204" pitchFamily="50" charset="-128"/>
-                <a:ea typeface="Meiryo UI" panose="020B0604030504040204" pitchFamily="50" charset="-128"/>
-                <a:cs typeface="Meiryo UI" panose="020B0604030504040204" pitchFamily="50" charset="-128"/>
-              </a:rPr>
-              <a:t>処理</a:t>
-            </a:r>
-            <a:endParaRPr lang="en-US" altLang="ja-JP" sz="900" dirty="0">
-              <a:solidFill>
-                <a:schemeClr val="tx1"/>
-              </a:solidFill>
-              <a:latin typeface="Meiryo UI" panose="020B0604030504040204" pitchFamily="50" charset="-128"/>
-              <a:ea typeface="Meiryo UI" panose="020B0604030504040204" pitchFamily="50" charset="-128"/>
-              <a:cs typeface="Meiryo UI" panose="020B0604030504040204" pitchFamily="50" charset="-128"/>
-            </a:endParaRPr>
+              <a:t>Process</a:t>
+            </a:r>
           </a:p>
         </p:txBody>
       </p:sp>
@@ -11052,7 +11038,7 @@
           <a:p>
             <a:pPr algn="ctr"/>
             <a:r>
-              <a:rPr lang="ja-JP" altLang="en-US" sz="900" dirty="0">
+              <a:rPr lang="en-US" altLang="ja-JP" sz="900" dirty="0">
                 <a:solidFill>
                   <a:schemeClr val="tx1"/>
                 </a:solidFill>
@@ -11060,8 +11046,11 @@
                 <a:ea typeface="Meiryo UI" panose="020B0604030504040204" pitchFamily="50" charset="-128"/>
                 <a:cs typeface="Meiryo UI" panose="020B0604030504040204" pitchFamily="50" charset="-128"/>
               </a:rPr>
-              <a:t>イベント</a:t>
-            </a:r>
+              <a:t>Event2</a:t>
+            </a:r>
+          </a:p>
+          <a:p>
+            <a:pPr algn="ctr"/>
             <a:r>
               <a:rPr lang="en-US" altLang="ja-JP" sz="900" dirty="0">
                 <a:solidFill>
@@ -11071,30 +11060,8 @@
                 <a:ea typeface="Meiryo UI" panose="020B0604030504040204" pitchFamily="50" charset="-128"/>
                 <a:cs typeface="Meiryo UI" panose="020B0604030504040204" pitchFamily="50" charset="-128"/>
               </a:rPr>
-              <a:t>2</a:t>
-            </a:r>
-          </a:p>
-          <a:p>
-            <a:pPr algn="ctr"/>
-            <a:r>
-              <a:rPr lang="ja-JP" altLang="en-US" sz="900" dirty="0">
-                <a:solidFill>
-                  <a:schemeClr val="tx1"/>
-                </a:solidFill>
-                <a:latin typeface="Meiryo UI" panose="020B0604030504040204" pitchFamily="50" charset="-128"/>
-                <a:ea typeface="Meiryo UI" panose="020B0604030504040204" pitchFamily="50" charset="-128"/>
-                <a:cs typeface="Meiryo UI" panose="020B0604030504040204" pitchFamily="50" charset="-128"/>
-              </a:rPr>
-              <a:t>処理</a:t>
-            </a:r>
-            <a:endParaRPr lang="en-US" altLang="ja-JP" sz="900" dirty="0">
-              <a:solidFill>
-                <a:schemeClr val="tx1"/>
-              </a:solidFill>
-              <a:latin typeface="Meiryo UI" panose="020B0604030504040204" pitchFamily="50" charset="-128"/>
-              <a:ea typeface="Meiryo UI" panose="020B0604030504040204" pitchFamily="50" charset="-128"/>
-              <a:cs typeface="Meiryo UI" panose="020B0604030504040204" pitchFamily="50" charset="-128"/>
-            </a:endParaRPr>
+              <a:t>Process</a:t>
+            </a:r>
           </a:p>
         </p:txBody>
       </p:sp>
@@ -11362,7 +11329,7 @@
               <a:t>ListenBacklog</a:t>
             </a:r>
             <a:r>
-              <a:rPr lang="ja-JP" altLang="en-US" sz="900" dirty="0">
+              <a:rPr lang="en-US" altLang="ja-JP" sz="900" dirty="0">
                 <a:solidFill>
                   <a:schemeClr val="tx1"/>
                 </a:solidFill>
@@ -11370,8 +11337,16 @@
                 <a:ea typeface="Meiryo UI" panose="020B0604030504040204" pitchFamily="50" charset="-128"/>
                 <a:cs typeface="Meiryo UI" panose="020B0604030504040204" pitchFamily="50" charset="-128"/>
               </a:rPr>
-              <a:t>キュー</a:t>
-            </a:r>
+              <a:t> Que</a:t>
+            </a:r>
+            <a:endParaRPr lang="ja-JP" altLang="en-US" sz="900" dirty="0">
+              <a:solidFill>
+                <a:schemeClr val="tx1"/>
+              </a:solidFill>
+              <a:latin typeface="Meiryo UI" panose="020B0604030504040204" pitchFamily="50" charset="-128"/>
+              <a:ea typeface="Meiryo UI" panose="020B0604030504040204" pitchFamily="50" charset="-128"/>
+              <a:cs typeface="Meiryo UI" panose="020B0604030504040204" pitchFamily="50" charset="-128"/>
+            </a:endParaRPr>
           </a:p>
         </p:txBody>
       </p:sp>
@@ -11528,7 +11503,7 @@
           <a:p>
             <a:pPr algn="ctr"/>
             <a:r>
-              <a:rPr lang="ja-JP" altLang="en-US" sz="900" dirty="0">
+              <a:rPr lang="en-US" altLang="ja-JP" sz="900" dirty="0">
                 <a:solidFill>
                   <a:schemeClr val="tx1"/>
                 </a:solidFill>
@@ -11536,16 +11511,8 @@
                 <a:ea typeface="Meiryo UI" panose="020B0604030504040204" pitchFamily="50" charset="-128"/>
                 <a:cs typeface="Meiryo UI" panose="020B0604030504040204" pitchFamily="50" charset="-128"/>
               </a:rPr>
-              <a:t>キュー</a:t>
-            </a:r>
-            <a:endParaRPr lang="en-US" altLang="ja-JP" sz="900" dirty="0">
-              <a:solidFill>
-                <a:schemeClr val="tx1"/>
-              </a:solidFill>
-              <a:latin typeface="Meiryo UI" panose="020B0604030504040204" pitchFamily="50" charset="-128"/>
-              <a:ea typeface="Meiryo UI" panose="020B0604030504040204" pitchFamily="50" charset="-128"/>
-              <a:cs typeface="Meiryo UI" panose="020B0604030504040204" pitchFamily="50" charset="-128"/>
-            </a:endParaRPr>
+              <a:t>Que</a:t>
+            </a:r>
           </a:p>
         </p:txBody>
       </p:sp>
@@ -12230,7 +12197,7 @@
           <p:nvPr>
             <p:extLst>
               <p:ext uri="{D42A27DB-BD31-4B8C-83A1-F6EECF244321}">
-                <p14:modId xmlns:p14="http://schemas.microsoft.com/office/powerpoint/2010/main" val="3040808042"/>
+                <p14:modId xmlns:p14="http://schemas.microsoft.com/office/powerpoint/2010/main" val="1292604858"/>
               </p:ext>
             </p:extLst>
           </p:nvPr>
@@ -12522,14 +12489,10 @@
                       </a:r>
                       <a:r>
                         <a:rPr kumimoji="1" lang="ja-JP" altLang="en-US" dirty="0"/>
-                        <a:t>に設定可能な上限値を設定</a:t>
+                        <a:t>に設定可能な上限値を設定すること、</a:t>
                       </a:r>
                       <a:r>
-                        <a:rPr kumimoji="1" lang="ja-JP" altLang="en-US"/>
-                        <a:t>すること、</a:t>
-                      </a:r>
-                      <a:r>
-                        <a:rPr kumimoji="1" lang="en-US" altLang="ja-JP" sz="1350" b="0" i="0" kern="1200">
+                        <a:rPr kumimoji="1" lang="en-US" altLang="ja-JP" sz="1350" b="0" i="0" kern="1200" dirty="0">
                           <a:solidFill>
                             <a:schemeClr val="dk1"/>
                           </a:solidFill>
@@ -12756,7 +12719,7 @@
                   </a:ext>
                 </a:extLst>
               </a:tr>
-              <a:tr h="370840">
+              <a:tr h="587748">
                 <a:tc>
                   <a:txBody>
                     <a:bodyPr/>
